--- a/project_week2.pptx
+++ b/project_week2.pptx
@@ -7590,7 +7590,7 @@
         </p:nvSpPr>
         <p:spPr>
           <a:xfrm>
-            <a:off x="1523999" y="4005511"/>
+            <a:off x="1249645" y="4005511"/>
             <a:ext cx="9508761" cy="1975564"/>
           </a:xfrm>
         </p:spPr>
@@ -9767,8 +9767,8 @@
         </p:nvSpPr>
         <p:spPr>
           <a:xfrm>
-            <a:off x="5078775" y="303590"/>
-            <a:ext cx="6264007" cy="5896743"/>
+            <a:off x="5046878" y="1728353"/>
+            <a:ext cx="6223634" cy="3566661"/>
           </a:xfrm>
         </p:spPr>
         <p:txBody>
